--- a/L1/L1.pptx
+++ b/L1/L1.pptx
@@ -198,7 +198,7 @@
           <a:p>
             <a:fld id="{D4CB86DC-20C9-45AA-9C21-5865177CCC2D}" type="datetimeFigureOut">
               <a:rPr lang="zh-TW" altLang="en-US" smtClean="0"/>
-              <a:t>2020/4/19</a:t>
+              <a:t>2020/4/23</a:t>
             </a:fld>
             <a:endParaRPr lang="zh-TW" altLang="en-US"/>
           </a:p>
@@ -764,7 +764,7 @@
           <a:p>
             <a:fld id="{5BBEAD13-0566-4C6C-97E7-55F17F24B09F}" type="datetimeFigureOut">
               <a:rPr lang="zh-TW" altLang="en-US" smtClean="0"/>
-              <a:t>2020/4/19</a:t>
+              <a:t>2020/4/23</a:t>
             </a:fld>
             <a:endParaRPr lang="zh-TW" altLang="en-US"/>
           </a:p>
@@ -929,7 +929,7 @@
           <a:p>
             <a:fld id="{5BBEAD13-0566-4C6C-97E7-55F17F24B09F}" type="datetimeFigureOut">
               <a:rPr lang="zh-TW" altLang="en-US" smtClean="0"/>
-              <a:t>2020/4/19</a:t>
+              <a:t>2020/4/23</a:t>
             </a:fld>
             <a:endParaRPr lang="zh-TW" altLang="en-US"/>
           </a:p>
@@ -1104,7 +1104,7 @@
           <a:p>
             <a:fld id="{5BBEAD13-0566-4C6C-97E7-55F17F24B09F}" type="datetimeFigureOut">
               <a:rPr lang="zh-TW" altLang="en-US" smtClean="0"/>
-              <a:t>2020/4/19</a:t>
+              <a:t>2020/4/23</a:t>
             </a:fld>
             <a:endParaRPr lang="zh-TW" altLang="en-US"/>
           </a:p>
@@ -1636,7 +1636,7 @@
           <a:p>
             <a:fld id="{5BBEAD13-0566-4C6C-97E7-55F17F24B09F}" type="datetimeFigureOut">
               <a:rPr lang="zh-TW" altLang="en-US" smtClean="0"/>
-              <a:t>2020/4/19</a:t>
+              <a:t>2020/4/23</a:t>
             </a:fld>
             <a:endParaRPr lang="zh-TW" altLang="en-US"/>
           </a:p>
@@ -1877,7 +1877,7 @@
           <a:p>
             <a:fld id="{5BBEAD13-0566-4C6C-97E7-55F17F24B09F}" type="datetimeFigureOut">
               <a:rPr lang="zh-TW" altLang="en-US" smtClean="0"/>
-              <a:t>2020/4/19</a:t>
+              <a:t>2020/4/23</a:t>
             </a:fld>
             <a:endParaRPr lang="zh-TW" altLang="en-US"/>
           </a:p>
@@ -2160,7 +2160,7 @@
           <a:p>
             <a:fld id="{5BBEAD13-0566-4C6C-97E7-55F17F24B09F}" type="datetimeFigureOut">
               <a:rPr lang="zh-TW" altLang="en-US" smtClean="0"/>
-              <a:t>2020/4/19</a:t>
+              <a:t>2020/4/23</a:t>
             </a:fld>
             <a:endParaRPr lang="zh-TW" altLang="en-US"/>
           </a:p>
@@ -2589,7 +2589,7 @@
           <a:p>
             <a:fld id="{5BBEAD13-0566-4C6C-97E7-55F17F24B09F}" type="datetimeFigureOut">
               <a:rPr lang="zh-TW" altLang="en-US" smtClean="0"/>
-              <a:t>2020/4/19</a:t>
+              <a:t>2020/4/23</a:t>
             </a:fld>
             <a:endParaRPr lang="zh-TW" altLang="en-US"/>
           </a:p>
@@ -2702,7 +2702,7 @@
           <a:p>
             <a:fld id="{5BBEAD13-0566-4C6C-97E7-55F17F24B09F}" type="datetimeFigureOut">
               <a:rPr lang="zh-TW" altLang="en-US" smtClean="0"/>
-              <a:t>2020/4/19</a:t>
+              <a:t>2020/4/23</a:t>
             </a:fld>
             <a:endParaRPr lang="zh-TW" altLang="en-US"/>
           </a:p>
@@ -2792,7 +2792,7 @@
           <a:p>
             <a:fld id="{5BBEAD13-0566-4C6C-97E7-55F17F24B09F}" type="datetimeFigureOut">
               <a:rPr lang="zh-TW" altLang="en-US" smtClean="0"/>
-              <a:t>2020/4/19</a:t>
+              <a:t>2020/4/23</a:t>
             </a:fld>
             <a:endParaRPr lang="zh-TW" altLang="en-US"/>
           </a:p>
@@ -2981,7 +2981,7 @@
           <a:p>
             <a:fld id="{5BBEAD13-0566-4C6C-97E7-55F17F24B09F}" type="datetimeFigureOut">
               <a:rPr lang="zh-TW" altLang="en-US" smtClean="0"/>
-              <a:t>2020/4/19</a:t>
+              <a:t>2020/4/23</a:t>
             </a:fld>
             <a:endParaRPr lang="zh-TW" altLang="en-US"/>
           </a:p>
@@ -3299,7 +3299,7 @@
           <a:p>
             <a:fld id="{5BBEAD13-0566-4C6C-97E7-55F17F24B09F}" type="datetimeFigureOut">
               <a:rPr lang="zh-TW" altLang="en-US" smtClean="0"/>
-              <a:t>2020/4/19</a:t>
+              <a:t>2020/4/23</a:t>
             </a:fld>
             <a:endParaRPr lang="zh-TW" altLang="en-US"/>
           </a:p>
@@ -3678,7 +3678,7 @@
           <a:p>
             <a:fld id="{5BBEAD13-0566-4C6C-97E7-55F17F24B09F}" type="datetimeFigureOut">
               <a:rPr lang="zh-TW" altLang="en-US" smtClean="0"/>
-              <a:t>2020/4/19</a:t>
+              <a:t>2020/4/23</a:t>
             </a:fld>
             <a:endParaRPr lang="zh-TW" altLang="en-US"/>
           </a:p>
@@ -4157,11 +4157,15 @@
             </a:r>
             <a:r>
               <a:rPr lang="en-US" altLang="zh-TW" dirty="0" smtClean="0"/>
-              <a:t>/ (</a:t>
+              <a:t>/ </a:t>
+            </a:r>
+            <a:r>
+              <a:rPr lang="en-US" altLang="zh-TW" dirty="0" smtClean="0"/>
+              <a:t>(</a:t>
             </a:r>
             <a:r>
               <a:rPr lang="zh-TW" altLang="en-US" dirty="0" smtClean="0"/>
-              <a:t>保姆</a:t>
+              <a:t>工程師保姆</a:t>
             </a:r>
             <a:r>
               <a:rPr lang="en-US" altLang="zh-TW" dirty="0" smtClean="0"/>
@@ -4225,20 +4229,27 @@
             </a:r>
             <a:r>
               <a:rPr lang="zh-TW" altLang="en-US" dirty="0" smtClean="0"/>
-              <a:t>審稿人</a:t>
+              <a:t>審</a:t>
+            </a:r>
+            <a:r>
+              <a:rPr lang="zh-TW" altLang="en-US" dirty="0" smtClean="0"/>
+              <a:t>稿、義工</a:t>
             </a:r>
             <a:r>
               <a:rPr lang="en-US" altLang="zh-TW" dirty="0" smtClean="0"/>
               <a:t>(</a:t>
             </a:r>
             <a:r>
-              <a:rPr lang="zh-TW" altLang="en-US" dirty="0" smtClean="0"/>
-              <a:t>連結</a:t>
+              <a:rPr lang="en-US" altLang="zh-TW" dirty="0" smtClean="0">
+                <a:hlinkClick r:id="rId2"/>
+              </a:rPr>
+              <a:t>link</a:t>
             </a:r>
             <a:r>
               <a:rPr lang="en-US" altLang="zh-TW" dirty="0" smtClean="0"/>
               <a:t>)</a:t>
             </a:r>
+            <a:endParaRPr lang="en-US" altLang="zh-TW" dirty="0" smtClean="0"/>
           </a:p>
           <a:p>
             <a:endParaRPr lang="zh-TW" altLang="en-US" dirty="0"/>
